--- a/ui.pptx
+++ b/ui.pptx
@@ -201,7 +201,7 @@
           <a:p>
             <a:fld id="{DA321D23-30E6-AE48-866D-2C2305491F64}" type="datetimeFigureOut">
               <a:rPr lang="en-US" smtClean="0"/>
-              <a:t>5/31/19</a:t>
+              <a:t>6/2/19</a:t>
             </a:fld>
             <a:endParaRPr lang="en-US"/>
           </a:p>
@@ -699,7 +699,7 @@
           <a:p>
             <a:fld id="{6F2F3773-AEC0-D54A-A188-7818515FCBF6}" type="datetimeFigureOut">
               <a:rPr lang="en-US" smtClean="0"/>
-              <a:t>5/31/19</a:t>
+              <a:t>6/2/19</a:t>
             </a:fld>
             <a:endParaRPr lang="en-US"/>
           </a:p>
@@ -897,7 +897,7 @@
           <a:p>
             <a:fld id="{6F2F3773-AEC0-D54A-A188-7818515FCBF6}" type="datetimeFigureOut">
               <a:rPr lang="en-US" smtClean="0"/>
-              <a:t>5/31/19</a:t>
+              <a:t>6/2/19</a:t>
             </a:fld>
             <a:endParaRPr lang="en-US"/>
           </a:p>
@@ -1105,7 +1105,7 @@
           <a:p>
             <a:fld id="{6F2F3773-AEC0-D54A-A188-7818515FCBF6}" type="datetimeFigureOut">
               <a:rPr lang="en-US" smtClean="0"/>
-              <a:t>5/31/19</a:t>
+              <a:t>6/2/19</a:t>
             </a:fld>
             <a:endParaRPr lang="en-US"/>
           </a:p>
@@ -1303,7 +1303,7 @@
           <a:p>
             <a:fld id="{6F2F3773-AEC0-D54A-A188-7818515FCBF6}" type="datetimeFigureOut">
               <a:rPr lang="en-US" smtClean="0"/>
-              <a:t>5/31/19</a:t>
+              <a:t>6/2/19</a:t>
             </a:fld>
             <a:endParaRPr lang="en-US"/>
           </a:p>
@@ -1578,7 +1578,7 @@
           <a:p>
             <a:fld id="{6F2F3773-AEC0-D54A-A188-7818515FCBF6}" type="datetimeFigureOut">
               <a:rPr lang="en-US" smtClean="0"/>
-              <a:t>5/31/19</a:t>
+              <a:t>6/2/19</a:t>
             </a:fld>
             <a:endParaRPr lang="en-US"/>
           </a:p>
@@ -1843,7 +1843,7 @@
           <a:p>
             <a:fld id="{6F2F3773-AEC0-D54A-A188-7818515FCBF6}" type="datetimeFigureOut">
               <a:rPr lang="en-US" smtClean="0"/>
-              <a:t>5/31/19</a:t>
+              <a:t>6/2/19</a:t>
             </a:fld>
             <a:endParaRPr lang="en-US"/>
           </a:p>
@@ -2255,7 +2255,7 @@
           <a:p>
             <a:fld id="{6F2F3773-AEC0-D54A-A188-7818515FCBF6}" type="datetimeFigureOut">
               <a:rPr lang="en-US" smtClean="0"/>
-              <a:t>5/31/19</a:t>
+              <a:t>6/2/19</a:t>
             </a:fld>
             <a:endParaRPr lang="en-US"/>
           </a:p>
@@ -2396,7 +2396,7 @@
           <a:p>
             <a:fld id="{6F2F3773-AEC0-D54A-A188-7818515FCBF6}" type="datetimeFigureOut">
               <a:rPr lang="en-US" smtClean="0"/>
-              <a:t>5/31/19</a:t>
+              <a:t>6/2/19</a:t>
             </a:fld>
             <a:endParaRPr lang="en-US"/>
           </a:p>
@@ -2509,7 +2509,7 @@
           <a:p>
             <a:fld id="{6F2F3773-AEC0-D54A-A188-7818515FCBF6}" type="datetimeFigureOut">
               <a:rPr lang="en-US" smtClean="0"/>
-              <a:t>5/31/19</a:t>
+              <a:t>6/2/19</a:t>
             </a:fld>
             <a:endParaRPr lang="en-US"/>
           </a:p>
@@ -2820,7 +2820,7 @@
           <a:p>
             <a:fld id="{6F2F3773-AEC0-D54A-A188-7818515FCBF6}" type="datetimeFigureOut">
               <a:rPr lang="en-US" smtClean="0"/>
-              <a:t>5/31/19</a:t>
+              <a:t>6/2/19</a:t>
             </a:fld>
             <a:endParaRPr lang="en-US"/>
           </a:p>
@@ -3108,7 +3108,7 @@
           <a:p>
             <a:fld id="{6F2F3773-AEC0-D54A-A188-7818515FCBF6}" type="datetimeFigureOut">
               <a:rPr lang="en-US" smtClean="0"/>
-              <a:t>5/31/19</a:t>
+              <a:t>6/2/19</a:t>
             </a:fld>
             <a:endParaRPr lang="en-US"/>
           </a:p>
@@ -3349,7 +3349,7 @@
           <a:p>
             <a:fld id="{6F2F3773-AEC0-D54A-A188-7818515FCBF6}" type="datetimeFigureOut">
               <a:rPr lang="en-US" smtClean="0"/>
-              <a:t>5/31/19</a:t>
+              <a:t>6/2/19</a:t>
             </a:fld>
             <a:endParaRPr lang="en-US"/>
           </a:p>
@@ -12160,6 +12160,1313 @@
           </p:txBody>
         </p:sp>
       </p:grpSp>
+      <p:grpSp>
+        <p:nvGrpSpPr>
+          <p:cNvPr id="12" name="Group 11">
+            <a:extLst>
+              <a:ext uri="{FF2B5EF4-FFF2-40B4-BE49-F238E27FC236}">
+                <a16:creationId xmlns:a16="http://schemas.microsoft.com/office/drawing/2014/main" id="{91CE01BE-0017-0F4A-A4E2-357AEC622B2A}"/>
+              </a:ext>
+            </a:extLst>
+          </p:cNvPr>
+          <p:cNvGrpSpPr/>
+          <p:nvPr/>
+        </p:nvGrpSpPr>
+        <p:grpSpPr>
+          <a:xfrm>
+            <a:off x="968268" y="882283"/>
+            <a:ext cx="2298375" cy="2292775"/>
+            <a:chOff x="1379396" y="2837278"/>
+            <a:chExt cx="1475935" cy="1552938"/>
+          </a:xfrm>
+        </p:grpSpPr>
+        <p:sp>
+          <p:nvSpPr>
+            <p:cNvPr id="23" name="Freeform 22">
+              <a:extLst>
+                <a:ext uri="{FF2B5EF4-FFF2-40B4-BE49-F238E27FC236}">
+                  <a16:creationId xmlns:a16="http://schemas.microsoft.com/office/drawing/2014/main" id="{60926573-5805-0F49-80D7-D54D0C16FD2D}"/>
+                </a:ext>
+              </a:extLst>
+            </p:cNvPr>
+            <p:cNvSpPr/>
+            <p:nvPr/>
+          </p:nvSpPr>
+          <p:spPr>
+            <a:xfrm>
+              <a:off x="1379396" y="2837278"/>
+              <a:ext cx="1475935" cy="434098"/>
+            </a:xfrm>
+            <a:custGeom>
+              <a:avLst/>
+              <a:gdLst>
+                <a:gd name="connsiteX0" fmla="*/ 635357 w 1543010"/>
+                <a:gd name="connsiteY0" fmla="*/ 0 h 453826"/>
+                <a:gd name="connsiteX1" fmla="*/ 907653 w 1543010"/>
+                <a:gd name="connsiteY1" fmla="*/ 0 h 453826"/>
+                <a:gd name="connsiteX2" fmla="*/ 1066492 w 1543010"/>
+                <a:gd name="connsiteY2" fmla="*/ 158839 h 453826"/>
+                <a:gd name="connsiteX3" fmla="*/ 1066492 w 1543010"/>
+                <a:gd name="connsiteY3" fmla="*/ 272296 h 453826"/>
+                <a:gd name="connsiteX4" fmla="*/ 1452244 w 1543010"/>
+                <a:gd name="connsiteY4" fmla="*/ 272296 h 453826"/>
+                <a:gd name="connsiteX5" fmla="*/ 1543010 w 1543010"/>
+                <a:gd name="connsiteY5" fmla="*/ 363061 h 453826"/>
+                <a:gd name="connsiteX6" fmla="*/ 1543010 w 1543010"/>
+                <a:gd name="connsiteY6" fmla="*/ 453826 h 453826"/>
+                <a:gd name="connsiteX7" fmla="*/ 0 w 1543010"/>
+                <a:gd name="connsiteY7" fmla="*/ 453826 h 453826"/>
+                <a:gd name="connsiteX8" fmla="*/ 0 w 1543010"/>
+                <a:gd name="connsiteY8" fmla="*/ 363061 h 453826"/>
+                <a:gd name="connsiteX9" fmla="*/ 90765 w 1543010"/>
+                <a:gd name="connsiteY9" fmla="*/ 272296 h 453826"/>
+                <a:gd name="connsiteX10" fmla="*/ 476517 w 1543010"/>
+                <a:gd name="connsiteY10" fmla="*/ 272296 h 453826"/>
+                <a:gd name="connsiteX11" fmla="*/ 476517 w 1543010"/>
+                <a:gd name="connsiteY11" fmla="*/ 158839 h 453826"/>
+                <a:gd name="connsiteX12" fmla="*/ 635357 w 1543010"/>
+                <a:gd name="connsiteY12" fmla="*/ 0 h 453826"/>
+              </a:gdLst>
+              <a:ahLst/>
+              <a:cxnLst>
+                <a:cxn ang="0">
+                  <a:pos x="connsiteX0" y="connsiteY0"/>
+                </a:cxn>
+                <a:cxn ang="0">
+                  <a:pos x="connsiteX1" y="connsiteY1"/>
+                </a:cxn>
+                <a:cxn ang="0">
+                  <a:pos x="connsiteX2" y="connsiteY2"/>
+                </a:cxn>
+                <a:cxn ang="0">
+                  <a:pos x="connsiteX3" y="connsiteY3"/>
+                </a:cxn>
+                <a:cxn ang="0">
+                  <a:pos x="connsiteX4" y="connsiteY4"/>
+                </a:cxn>
+                <a:cxn ang="0">
+                  <a:pos x="connsiteX5" y="connsiteY5"/>
+                </a:cxn>
+                <a:cxn ang="0">
+                  <a:pos x="connsiteX6" y="connsiteY6"/>
+                </a:cxn>
+                <a:cxn ang="0">
+                  <a:pos x="connsiteX7" y="connsiteY7"/>
+                </a:cxn>
+                <a:cxn ang="0">
+                  <a:pos x="connsiteX8" y="connsiteY8"/>
+                </a:cxn>
+                <a:cxn ang="0">
+                  <a:pos x="connsiteX9" y="connsiteY9"/>
+                </a:cxn>
+                <a:cxn ang="0">
+                  <a:pos x="connsiteX10" y="connsiteY10"/>
+                </a:cxn>
+                <a:cxn ang="0">
+                  <a:pos x="connsiteX11" y="connsiteY11"/>
+                </a:cxn>
+                <a:cxn ang="0">
+                  <a:pos x="connsiteX12" y="connsiteY12"/>
+                </a:cxn>
+              </a:cxnLst>
+              <a:rect l="l" t="t" r="r" b="b"/>
+              <a:pathLst>
+                <a:path w="1543010" h="453826">
+                  <a:moveTo>
+                    <a:pt x="635357" y="0"/>
+                  </a:moveTo>
+                  <a:lnTo>
+                    <a:pt x="907653" y="0"/>
+                  </a:lnTo>
+                  <a:cubicBezTo>
+                    <a:pt x="996149" y="0"/>
+                    <a:pt x="1066492" y="70343"/>
+                    <a:pt x="1066492" y="158839"/>
+                  </a:cubicBezTo>
+                  <a:lnTo>
+                    <a:pt x="1066492" y="272296"/>
+                  </a:lnTo>
+                  <a:lnTo>
+                    <a:pt x="1452244" y="272296"/>
+                  </a:lnTo>
+                  <a:cubicBezTo>
+                    <a:pt x="1502165" y="272296"/>
+                    <a:pt x="1543010" y="313140"/>
+                    <a:pt x="1543010" y="363061"/>
+                  </a:cubicBezTo>
+                  <a:lnTo>
+                    <a:pt x="1543010" y="453826"/>
+                  </a:lnTo>
+                  <a:lnTo>
+                    <a:pt x="0" y="453826"/>
+                  </a:lnTo>
+                  <a:lnTo>
+                    <a:pt x="0" y="363061"/>
+                  </a:lnTo>
+                  <a:cubicBezTo>
+                    <a:pt x="0" y="313140"/>
+                    <a:pt x="40844" y="272296"/>
+                    <a:pt x="90765" y="272296"/>
+                  </a:cubicBezTo>
+                  <a:lnTo>
+                    <a:pt x="476517" y="272296"/>
+                  </a:lnTo>
+                  <a:lnTo>
+                    <a:pt x="476517" y="158839"/>
+                  </a:lnTo>
+                  <a:cubicBezTo>
+                    <a:pt x="476517" y="70343"/>
+                    <a:pt x="546860" y="0"/>
+                    <a:pt x="635357" y="0"/>
+                  </a:cubicBezTo>
+                  <a:close/>
+                </a:path>
+              </a:pathLst>
+            </a:custGeom>
+            <a:solidFill>
+              <a:schemeClr val="bg1"/>
+            </a:solidFill>
+            <a:ln>
+              <a:noFill/>
+            </a:ln>
+          </p:spPr>
+          <p:style>
+            <a:lnRef idx="2">
+              <a:schemeClr val="accent1">
+                <a:shade val="50000"/>
+              </a:schemeClr>
+            </a:lnRef>
+            <a:fillRef idx="1">
+              <a:schemeClr val="accent1"/>
+            </a:fillRef>
+            <a:effectRef idx="0">
+              <a:schemeClr val="accent1"/>
+            </a:effectRef>
+            <a:fontRef idx="minor">
+              <a:schemeClr val="lt1"/>
+            </a:fontRef>
+          </p:style>
+          <p:txBody>
+            <a:bodyPr rtlCol="0" anchor="ctr"/>
+            <a:lstStyle/>
+            <a:p>
+              <a:pPr algn="ctr"/>
+              <a:endParaRPr lang="en-US"/>
+            </a:p>
+          </p:txBody>
+        </p:sp>
+        <p:grpSp>
+          <p:nvGrpSpPr>
+            <p:cNvPr id="11" name="Group 10">
+              <a:extLst>
+                <a:ext uri="{FF2B5EF4-FFF2-40B4-BE49-F238E27FC236}">
+                  <a16:creationId xmlns:a16="http://schemas.microsoft.com/office/drawing/2014/main" id="{92D66B12-5566-4F4C-9995-1B63807F06BA}"/>
+                </a:ext>
+              </a:extLst>
+            </p:cNvPr>
+            <p:cNvGrpSpPr/>
+            <p:nvPr/>
+          </p:nvGrpSpPr>
+          <p:grpSpPr>
+            <a:xfrm>
+              <a:off x="1485718" y="3336990"/>
+              <a:ext cx="1263293" cy="1053226"/>
+              <a:chOff x="1354100" y="3361494"/>
+              <a:chExt cx="1524159" cy="1270714"/>
+            </a:xfrm>
+          </p:grpSpPr>
+          <p:sp>
+            <p:nvSpPr>
+              <p:cNvPr id="7" name="Freeform 6">
+                <a:extLst>
+                  <a:ext uri="{FF2B5EF4-FFF2-40B4-BE49-F238E27FC236}">
+                    <a16:creationId xmlns:a16="http://schemas.microsoft.com/office/drawing/2014/main" id="{F66EFA5A-6AA9-EE49-B3FF-6C80CD217F49}"/>
+                  </a:ext>
+                </a:extLst>
+              </p:cNvPr>
+              <p:cNvSpPr/>
+              <p:nvPr/>
+            </p:nvSpPr>
+            <p:spPr>
+              <a:xfrm>
+                <a:off x="1480823" y="3361495"/>
+                <a:ext cx="1270713" cy="1270713"/>
+              </a:xfrm>
+              <a:custGeom>
+                <a:avLst/>
+                <a:gdLst>
+                  <a:gd name="connsiteX0" fmla="*/ 0 w 1270712"/>
+                  <a:gd name="connsiteY0" fmla="*/ 1179948 h 1270712"/>
+                  <a:gd name="connsiteX1" fmla="*/ 90765 w 1270712"/>
+                  <a:gd name="connsiteY1" fmla="*/ 1270713 h 1270712"/>
+                  <a:gd name="connsiteX2" fmla="*/ 1179948 w 1270712"/>
+                  <a:gd name="connsiteY2" fmla="*/ 1270713 h 1270712"/>
+                  <a:gd name="connsiteX3" fmla="*/ 1270713 w 1270712"/>
+                  <a:gd name="connsiteY3" fmla="*/ 1179948 h 1270712"/>
+                  <a:gd name="connsiteX4" fmla="*/ 1270713 w 1270712"/>
+                  <a:gd name="connsiteY4" fmla="*/ 0 h 1270712"/>
+                  <a:gd name="connsiteX5" fmla="*/ 0 w 1270712"/>
+                  <a:gd name="connsiteY5" fmla="*/ 0 h 1270712"/>
+                  <a:gd name="connsiteX6" fmla="*/ 0 w 1270712"/>
+                  <a:gd name="connsiteY6" fmla="*/ 1179948 h 1270712"/>
+                  <a:gd name="connsiteX7" fmla="*/ 930343 w 1270712"/>
+                  <a:gd name="connsiteY7" fmla="*/ 136148 h 1270712"/>
+                  <a:gd name="connsiteX8" fmla="*/ 1066491 w 1270712"/>
+                  <a:gd name="connsiteY8" fmla="*/ 136148 h 1270712"/>
+                  <a:gd name="connsiteX9" fmla="*/ 1066491 w 1270712"/>
+                  <a:gd name="connsiteY9" fmla="*/ 1134565 h 1270712"/>
+                  <a:gd name="connsiteX10" fmla="*/ 930343 w 1270712"/>
+                  <a:gd name="connsiteY10" fmla="*/ 1134565 h 1270712"/>
+                  <a:gd name="connsiteX11" fmla="*/ 930343 w 1270712"/>
+                  <a:gd name="connsiteY11" fmla="*/ 136148 h 1270712"/>
+                  <a:gd name="connsiteX12" fmla="*/ 567283 w 1270712"/>
+                  <a:gd name="connsiteY12" fmla="*/ 136148 h 1270712"/>
+                  <a:gd name="connsiteX13" fmla="*/ 703430 w 1270712"/>
+                  <a:gd name="connsiteY13" fmla="*/ 136148 h 1270712"/>
+                  <a:gd name="connsiteX14" fmla="*/ 703430 w 1270712"/>
+                  <a:gd name="connsiteY14" fmla="*/ 1134565 h 1270712"/>
+                  <a:gd name="connsiteX15" fmla="*/ 567283 w 1270712"/>
+                  <a:gd name="connsiteY15" fmla="*/ 1134565 h 1270712"/>
+                  <a:gd name="connsiteX16" fmla="*/ 567283 w 1270712"/>
+                  <a:gd name="connsiteY16" fmla="*/ 136148 h 1270712"/>
+                  <a:gd name="connsiteX17" fmla="*/ 204222 w 1270712"/>
+                  <a:gd name="connsiteY17" fmla="*/ 136148 h 1270712"/>
+                  <a:gd name="connsiteX18" fmla="*/ 340370 w 1270712"/>
+                  <a:gd name="connsiteY18" fmla="*/ 136148 h 1270712"/>
+                  <a:gd name="connsiteX19" fmla="*/ 340370 w 1270712"/>
+                  <a:gd name="connsiteY19" fmla="*/ 1134565 h 1270712"/>
+                  <a:gd name="connsiteX20" fmla="*/ 204222 w 1270712"/>
+                  <a:gd name="connsiteY20" fmla="*/ 1134565 h 1270712"/>
+                  <a:gd name="connsiteX21" fmla="*/ 204222 w 1270712"/>
+                  <a:gd name="connsiteY21" fmla="*/ 136148 h 1270712"/>
+                </a:gdLst>
+                <a:ahLst/>
+                <a:cxnLst>
+                  <a:cxn ang="0">
+                    <a:pos x="connsiteX0" y="connsiteY0"/>
+                  </a:cxn>
+                  <a:cxn ang="0">
+                    <a:pos x="connsiteX1" y="connsiteY1"/>
+                  </a:cxn>
+                  <a:cxn ang="0">
+                    <a:pos x="connsiteX2" y="connsiteY2"/>
+                  </a:cxn>
+                  <a:cxn ang="0">
+                    <a:pos x="connsiteX3" y="connsiteY3"/>
+                  </a:cxn>
+                  <a:cxn ang="0">
+                    <a:pos x="connsiteX4" y="connsiteY4"/>
+                  </a:cxn>
+                  <a:cxn ang="0">
+                    <a:pos x="connsiteX5" y="connsiteY5"/>
+                  </a:cxn>
+                  <a:cxn ang="0">
+                    <a:pos x="connsiteX6" y="connsiteY6"/>
+                  </a:cxn>
+                  <a:cxn ang="0">
+                    <a:pos x="connsiteX7" y="connsiteY7"/>
+                  </a:cxn>
+                  <a:cxn ang="0">
+                    <a:pos x="connsiteX8" y="connsiteY8"/>
+                  </a:cxn>
+                  <a:cxn ang="0">
+                    <a:pos x="connsiteX9" y="connsiteY9"/>
+                  </a:cxn>
+                  <a:cxn ang="0">
+                    <a:pos x="connsiteX10" y="connsiteY10"/>
+                  </a:cxn>
+                  <a:cxn ang="0">
+                    <a:pos x="connsiteX11" y="connsiteY11"/>
+                  </a:cxn>
+                  <a:cxn ang="0">
+                    <a:pos x="connsiteX12" y="connsiteY12"/>
+                  </a:cxn>
+                  <a:cxn ang="0">
+                    <a:pos x="connsiteX13" y="connsiteY13"/>
+                  </a:cxn>
+                  <a:cxn ang="0">
+                    <a:pos x="connsiteX14" y="connsiteY14"/>
+                  </a:cxn>
+                  <a:cxn ang="0">
+                    <a:pos x="connsiteX15" y="connsiteY15"/>
+                  </a:cxn>
+                  <a:cxn ang="0">
+                    <a:pos x="connsiteX16" y="connsiteY16"/>
+                  </a:cxn>
+                  <a:cxn ang="0">
+                    <a:pos x="connsiteX17" y="connsiteY17"/>
+                  </a:cxn>
+                  <a:cxn ang="0">
+                    <a:pos x="connsiteX18" y="connsiteY18"/>
+                  </a:cxn>
+                  <a:cxn ang="0">
+                    <a:pos x="connsiteX19" y="connsiteY19"/>
+                  </a:cxn>
+                  <a:cxn ang="0">
+                    <a:pos x="connsiteX20" y="connsiteY20"/>
+                  </a:cxn>
+                  <a:cxn ang="0">
+                    <a:pos x="connsiteX21" y="connsiteY21"/>
+                  </a:cxn>
+                </a:cxnLst>
+                <a:rect l="l" t="t" r="r" b="b"/>
+                <a:pathLst>
+                  <a:path w="1270712" h="1270712">
+                    <a:moveTo>
+                      <a:pt x="0" y="1179948"/>
+                    </a:moveTo>
+                    <a:cubicBezTo>
+                      <a:pt x="0" y="1229869"/>
+                      <a:pt x="40844" y="1270713"/>
+                      <a:pt x="90765" y="1270713"/>
+                    </a:cubicBezTo>
+                    <a:lnTo>
+                      <a:pt x="1179948" y="1270713"/>
+                    </a:lnTo>
+                    <a:cubicBezTo>
+                      <a:pt x="1229869" y="1270713"/>
+                      <a:pt x="1270713" y="1229869"/>
+                      <a:pt x="1270713" y="1179948"/>
+                    </a:cubicBezTo>
+                    <a:lnTo>
+                      <a:pt x="1270713" y="0"/>
+                    </a:lnTo>
+                    <a:lnTo>
+                      <a:pt x="0" y="0"/>
+                    </a:lnTo>
+                    <a:lnTo>
+                      <a:pt x="0" y="1179948"/>
+                    </a:lnTo>
+                    <a:close/>
+                    <a:moveTo>
+                      <a:pt x="930343" y="136148"/>
+                    </a:moveTo>
+                    <a:lnTo>
+                      <a:pt x="1066491" y="136148"/>
+                    </a:lnTo>
+                    <a:lnTo>
+                      <a:pt x="1066491" y="1134565"/>
+                    </a:lnTo>
+                    <a:lnTo>
+                      <a:pt x="930343" y="1134565"/>
+                    </a:lnTo>
+                    <a:lnTo>
+                      <a:pt x="930343" y="136148"/>
+                    </a:lnTo>
+                    <a:close/>
+                    <a:moveTo>
+                      <a:pt x="567283" y="136148"/>
+                    </a:moveTo>
+                    <a:lnTo>
+                      <a:pt x="703430" y="136148"/>
+                    </a:lnTo>
+                    <a:lnTo>
+                      <a:pt x="703430" y="1134565"/>
+                    </a:lnTo>
+                    <a:lnTo>
+                      <a:pt x="567283" y="1134565"/>
+                    </a:lnTo>
+                    <a:lnTo>
+                      <a:pt x="567283" y="136148"/>
+                    </a:lnTo>
+                    <a:close/>
+                    <a:moveTo>
+                      <a:pt x="204222" y="136148"/>
+                    </a:moveTo>
+                    <a:lnTo>
+                      <a:pt x="340370" y="136148"/>
+                    </a:lnTo>
+                    <a:lnTo>
+                      <a:pt x="340370" y="1134565"/>
+                    </a:lnTo>
+                    <a:lnTo>
+                      <a:pt x="204222" y="1134565"/>
+                    </a:lnTo>
+                    <a:lnTo>
+                      <a:pt x="204222" y="136148"/>
+                    </a:lnTo>
+                    <a:close/>
+                  </a:path>
+                </a:pathLst>
+              </a:custGeom>
+              <a:solidFill>
+                <a:schemeClr val="bg1"/>
+              </a:solidFill>
+              <a:ln w="22622" cap="flat">
+                <a:noFill/>
+                <a:prstDash val="solid"/>
+                <a:miter/>
+              </a:ln>
+            </p:spPr>
+            <p:txBody>
+              <a:bodyPr rtlCol="0" anchor="ctr"/>
+              <a:lstStyle/>
+              <a:p>
+                <a:endParaRPr lang="en-US" dirty="0"/>
+              </a:p>
+            </p:txBody>
+          </p:sp>
+          <p:sp>
+            <p:nvSpPr>
+              <p:cNvPr id="9" name="Rectangle 8">
+                <a:extLst>
+                  <a:ext uri="{FF2B5EF4-FFF2-40B4-BE49-F238E27FC236}">
+                    <a16:creationId xmlns:a16="http://schemas.microsoft.com/office/drawing/2014/main" id="{8D21DCB9-DEFB-ED41-9BE4-70D5DC374BFA}"/>
+                  </a:ext>
+                </a:extLst>
+              </p:cNvPr>
+              <p:cNvSpPr/>
+              <p:nvPr/>
+            </p:nvSpPr>
+            <p:spPr>
+              <a:xfrm>
+                <a:off x="1582057" y="3429000"/>
+                <a:ext cx="1078895" cy="189895"/>
+              </a:xfrm>
+              <a:prstGeom prst="rect">
+                <a:avLst/>
+              </a:prstGeom>
+              <a:solidFill>
+                <a:schemeClr val="bg1"/>
+              </a:solidFill>
+              <a:ln>
+                <a:noFill/>
+              </a:ln>
+            </p:spPr>
+            <p:style>
+              <a:lnRef idx="2">
+                <a:schemeClr val="accent1">
+                  <a:shade val="50000"/>
+                </a:schemeClr>
+              </a:lnRef>
+              <a:fillRef idx="1">
+                <a:schemeClr val="accent1"/>
+              </a:fillRef>
+              <a:effectRef idx="0">
+                <a:schemeClr val="accent1"/>
+              </a:effectRef>
+              <a:fontRef idx="minor">
+                <a:schemeClr val="lt1"/>
+              </a:fontRef>
+            </p:style>
+            <p:txBody>
+              <a:bodyPr rtlCol="0" anchor="ctr"/>
+              <a:lstStyle/>
+              <a:p>
+                <a:pPr algn="ctr"/>
+                <a:endParaRPr lang="en-US"/>
+              </a:p>
+            </p:txBody>
+          </p:sp>
+          <p:sp>
+            <p:nvSpPr>
+              <p:cNvPr id="25" name="Rectangle 24">
+                <a:extLst>
+                  <a:ext uri="{FF2B5EF4-FFF2-40B4-BE49-F238E27FC236}">
+                    <a16:creationId xmlns:a16="http://schemas.microsoft.com/office/drawing/2014/main" id="{8429F9B5-9EDF-9644-B4AF-206FAB9327BD}"/>
+                  </a:ext>
+                </a:extLst>
+              </p:cNvPr>
+              <p:cNvSpPr/>
+              <p:nvPr/>
+            </p:nvSpPr>
+            <p:spPr>
+              <a:xfrm>
+                <a:off x="1480823" y="4363149"/>
+                <a:ext cx="1078895" cy="189895"/>
+              </a:xfrm>
+              <a:prstGeom prst="rect">
+                <a:avLst/>
+              </a:prstGeom>
+              <a:solidFill>
+                <a:schemeClr val="bg1"/>
+              </a:solidFill>
+              <a:ln>
+                <a:noFill/>
+              </a:ln>
+            </p:spPr>
+            <p:style>
+              <a:lnRef idx="2">
+                <a:schemeClr val="accent1">
+                  <a:shade val="50000"/>
+                </a:schemeClr>
+              </a:lnRef>
+              <a:fillRef idx="1">
+                <a:schemeClr val="accent1"/>
+              </a:fillRef>
+              <a:effectRef idx="0">
+                <a:schemeClr val="accent1"/>
+              </a:effectRef>
+              <a:fontRef idx="minor">
+                <a:schemeClr val="lt1"/>
+              </a:fontRef>
+            </p:style>
+            <p:txBody>
+              <a:bodyPr rtlCol="0" anchor="ctr"/>
+              <a:lstStyle/>
+              <a:p>
+                <a:pPr algn="ctr"/>
+                <a:endParaRPr lang="en-US"/>
+              </a:p>
+            </p:txBody>
+          </p:sp>
+          <p:sp>
+            <p:nvSpPr>
+              <p:cNvPr id="10" name="Triangle 9">
+                <a:extLst>
+                  <a:ext uri="{FF2B5EF4-FFF2-40B4-BE49-F238E27FC236}">
+                    <a16:creationId xmlns:a16="http://schemas.microsoft.com/office/drawing/2014/main" id="{19DF3822-12DF-8445-AB8C-95A2983606F7}"/>
+                  </a:ext>
+                </a:extLst>
+              </p:cNvPr>
+              <p:cNvSpPr/>
+              <p:nvPr/>
+            </p:nvSpPr>
+            <p:spPr>
+              <a:xfrm flipV="1">
+                <a:off x="1354100" y="3361494"/>
+                <a:ext cx="254713" cy="1142772"/>
+              </a:xfrm>
+              <a:prstGeom prst="triangle">
+                <a:avLst/>
+              </a:prstGeom>
+              <a:solidFill>
+                <a:schemeClr val="bg1"/>
+              </a:solidFill>
+              <a:ln>
+                <a:noFill/>
+              </a:ln>
+            </p:spPr>
+            <p:style>
+              <a:lnRef idx="2">
+                <a:schemeClr val="accent1">
+                  <a:shade val="50000"/>
+                </a:schemeClr>
+              </a:lnRef>
+              <a:fillRef idx="1">
+                <a:schemeClr val="accent1"/>
+              </a:fillRef>
+              <a:effectRef idx="0">
+                <a:schemeClr val="accent1"/>
+              </a:effectRef>
+              <a:fontRef idx="minor">
+                <a:schemeClr val="lt1"/>
+              </a:fontRef>
+            </p:style>
+            <p:txBody>
+              <a:bodyPr rtlCol="0" anchor="ctr"/>
+              <a:lstStyle/>
+              <a:p>
+                <a:pPr algn="ctr"/>
+                <a:endParaRPr lang="en-US"/>
+              </a:p>
+            </p:txBody>
+          </p:sp>
+          <p:sp>
+            <p:nvSpPr>
+              <p:cNvPr id="27" name="Triangle 26">
+                <a:extLst>
+                  <a:ext uri="{FF2B5EF4-FFF2-40B4-BE49-F238E27FC236}">
+                    <a16:creationId xmlns:a16="http://schemas.microsoft.com/office/drawing/2014/main" id="{3E2809D6-7751-2646-8B12-30B343B4E404}"/>
+                  </a:ext>
+                </a:extLst>
+              </p:cNvPr>
+              <p:cNvSpPr/>
+              <p:nvPr/>
+            </p:nvSpPr>
+            <p:spPr>
+              <a:xfrm flipV="1">
+                <a:off x="2623546" y="3361494"/>
+                <a:ext cx="254713" cy="1142772"/>
+              </a:xfrm>
+              <a:prstGeom prst="triangle">
+                <a:avLst/>
+              </a:prstGeom>
+              <a:solidFill>
+                <a:schemeClr val="bg1"/>
+              </a:solidFill>
+              <a:ln>
+                <a:noFill/>
+              </a:ln>
+            </p:spPr>
+            <p:style>
+              <a:lnRef idx="2">
+                <a:schemeClr val="accent1">
+                  <a:shade val="50000"/>
+                </a:schemeClr>
+              </a:lnRef>
+              <a:fillRef idx="1">
+                <a:schemeClr val="accent1"/>
+              </a:fillRef>
+              <a:effectRef idx="0">
+                <a:schemeClr val="accent1"/>
+              </a:effectRef>
+              <a:fontRef idx="minor">
+                <a:schemeClr val="lt1"/>
+              </a:fontRef>
+            </p:style>
+            <p:txBody>
+              <a:bodyPr rtlCol="0" anchor="ctr"/>
+              <a:lstStyle/>
+              <a:p>
+                <a:pPr algn="ctr"/>
+                <a:endParaRPr lang="en-US"/>
+              </a:p>
+            </p:txBody>
+          </p:sp>
+        </p:grpSp>
+      </p:grpSp>
+      <p:grpSp>
+        <p:nvGrpSpPr>
+          <p:cNvPr id="30" name="Group 29">
+            <a:extLst>
+              <a:ext uri="{FF2B5EF4-FFF2-40B4-BE49-F238E27FC236}">
+                <a16:creationId xmlns:a16="http://schemas.microsoft.com/office/drawing/2014/main" id="{E0245652-EB11-2A4E-A0AD-F556BC88D533}"/>
+              </a:ext>
+            </a:extLst>
+          </p:cNvPr>
+          <p:cNvGrpSpPr/>
+          <p:nvPr/>
+        </p:nvGrpSpPr>
+        <p:grpSpPr>
+          <a:xfrm>
+            <a:off x="1819615" y="4196536"/>
+            <a:ext cx="2298375" cy="2292775"/>
+            <a:chOff x="1379396" y="2837278"/>
+            <a:chExt cx="1475935" cy="1552938"/>
+          </a:xfrm>
+          <a:solidFill>
+            <a:schemeClr val="tx1">
+              <a:lumMod val="75000"/>
+              <a:lumOff val="25000"/>
+            </a:schemeClr>
+          </a:solidFill>
+        </p:grpSpPr>
+        <p:sp>
+          <p:nvSpPr>
+            <p:cNvPr id="31" name="Freeform 30">
+              <a:extLst>
+                <a:ext uri="{FF2B5EF4-FFF2-40B4-BE49-F238E27FC236}">
+                  <a16:creationId xmlns:a16="http://schemas.microsoft.com/office/drawing/2014/main" id="{3A9512EC-FC40-DF48-8DB5-6A7E4E3ED8D1}"/>
+                </a:ext>
+              </a:extLst>
+            </p:cNvPr>
+            <p:cNvSpPr/>
+            <p:nvPr/>
+          </p:nvSpPr>
+          <p:spPr>
+            <a:xfrm>
+              <a:off x="1379396" y="2837278"/>
+              <a:ext cx="1475935" cy="434098"/>
+            </a:xfrm>
+            <a:custGeom>
+              <a:avLst/>
+              <a:gdLst>
+                <a:gd name="connsiteX0" fmla="*/ 635357 w 1543010"/>
+                <a:gd name="connsiteY0" fmla="*/ 0 h 453826"/>
+                <a:gd name="connsiteX1" fmla="*/ 907653 w 1543010"/>
+                <a:gd name="connsiteY1" fmla="*/ 0 h 453826"/>
+                <a:gd name="connsiteX2" fmla="*/ 1066492 w 1543010"/>
+                <a:gd name="connsiteY2" fmla="*/ 158839 h 453826"/>
+                <a:gd name="connsiteX3" fmla="*/ 1066492 w 1543010"/>
+                <a:gd name="connsiteY3" fmla="*/ 272296 h 453826"/>
+                <a:gd name="connsiteX4" fmla="*/ 1452244 w 1543010"/>
+                <a:gd name="connsiteY4" fmla="*/ 272296 h 453826"/>
+                <a:gd name="connsiteX5" fmla="*/ 1543010 w 1543010"/>
+                <a:gd name="connsiteY5" fmla="*/ 363061 h 453826"/>
+                <a:gd name="connsiteX6" fmla="*/ 1543010 w 1543010"/>
+                <a:gd name="connsiteY6" fmla="*/ 453826 h 453826"/>
+                <a:gd name="connsiteX7" fmla="*/ 0 w 1543010"/>
+                <a:gd name="connsiteY7" fmla="*/ 453826 h 453826"/>
+                <a:gd name="connsiteX8" fmla="*/ 0 w 1543010"/>
+                <a:gd name="connsiteY8" fmla="*/ 363061 h 453826"/>
+                <a:gd name="connsiteX9" fmla="*/ 90765 w 1543010"/>
+                <a:gd name="connsiteY9" fmla="*/ 272296 h 453826"/>
+                <a:gd name="connsiteX10" fmla="*/ 476517 w 1543010"/>
+                <a:gd name="connsiteY10" fmla="*/ 272296 h 453826"/>
+                <a:gd name="connsiteX11" fmla="*/ 476517 w 1543010"/>
+                <a:gd name="connsiteY11" fmla="*/ 158839 h 453826"/>
+                <a:gd name="connsiteX12" fmla="*/ 635357 w 1543010"/>
+                <a:gd name="connsiteY12" fmla="*/ 0 h 453826"/>
+              </a:gdLst>
+              <a:ahLst/>
+              <a:cxnLst>
+                <a:cxn ang="0">
+                  <a:pos x="connsiteX0" y="connsiteY0"/>
+                </a:cxn>
+                <a:cxn ang="0">
+                  <a:pos x="connsiteX1" y="connsiteY1"/>
+                </a:cxn>
+                <a:cxn ang="0">
+                  <a:pos x="connsiteX2" y="connsiteY2"/>
+                </a:cxn>
+                <a:cxn ang="0">
+                  <a:pos x="connsiteX3" y="connsiteY3"/>
+                </a:cxn>
+                <a:cxn ang="0">
+                  <a:pos x="connsiteX4" y="connsiteY4"/>
+                </a:cxn>
+                <a:cxn ang="0">
+                  <a:pos x="connsiteX5" y="connsiteY5"/>
+                </a:cxn>
+                <a:cxn ang="0">
+                  <a:pos x="connsiteX6" y="connsiteY6"/>
+                </a:cxn>
+                <a:cxn ang="0">
+                  <a:pos x="connsiteX7" y="connsiteY7"/>
+                </a:cxn>
+                <a:cxn ang="0">
+                  <a:pos x="connsiteX8" y="connsiteY8"/>
+                </a:cxn>
+                <a:cxn ang="0">
+                  <a:pos x="connsiteX9" y="connsiteY9"/>
+                </a:cxn>
+                <a:cxn ang="0">
+                  <a:pos x="connsiteX10" y="connsiteY10"/>
+                </a:cxn>
+                <a:cxn ang="0">
+                  <a:pos x="connsiteX11" y="connsiteY11"/>
+                </a:cxn>
+                <a:cxn ang="0">
+                  <a:pos x="connsiteX12" y="connsiteY12"/>
+                </a:cxn>
+              </a:cxnLst>
+              <a:rect l="l" t="t" r="r" b="b"/>
+              <a:pathLst>
+                <a:path w="1543010" h="453826">
+                  <a:moveTo>
+                    <a:pt x="635357" y="0"/>
+                  </a:moveTo>
+                  <a:lnTo>
+                    <a:pt x="907653" y="0"/>
+                  </a:lnTo>
+                  <a:cubicBezTo>
+                    <a:pt x="996149" y="0"/>
+                    <a:pt x="1066492" y="70343"/>
+                    <a:pt x="1066492" y="158839"/>
+                  </a:cubicBezTo>
+                  <a:lnTo>
+                    <a:pt x="1066492" y="272296"/>
+                  </a:lnTo>
+                  <a:lnTo>
+                    <a:pt x="1452244" y="272296"/>
+                  </a:lnTo>
+                  <a:cubicBezTo>
+                    <a:pt x="1502165" y="272296"/>
+                    <a:pt x="1543010" y="313140"/>
+                    <a:pt x="1543010" y="363061"/>
+                  </a:cubicBezTo>
+                  <a:lnTo>
+                    <a:pt x="1543010" y="453826"/>
+                  </a:lnTo>
+                  <a:lnTo>
+                    <a:pt x="0" y="453826"/>
+                  </a:lnTo>
+                  <a:lnTo>
+                    <a:pt x="0" y="363061"/>
+                  </a:lnTo>
+                  <a:cubicBezTo>
+                    <a:pt x="0" y="313140"/>
+                    <a:pt x="40844" y="272296"/>
+                    <a:pt x="90765" y="272296"/>
+                  </a:cubicBezTo>
+                  <a:lnTo>
+                    <a:pt x="476517" y="272296"/>
+                  </a:lnTo>
+                  <a:lnTo>
+                    <a:pt x="476517" y="158839"/>
+                  </a:lnTo>
+                  <a:cubicBezTo>
+                    <a:pt x="476517" y="70343"/>
+                    <a:pt x="546860" y="0"/>
+                    <a:pt x="635357" y="0"/>
+                  </a:cubicBezTo>
+                  <a:close/>
+                </a:path>
+              </a:pathLst>
+            </a:custGeom>
+            <a:grpFill/>
+            <a:ln>
+              <a:noFill/>
+            </a:ln>
+          </p:spPr>
+          <p:style>
+            <a:lnRef idx="2">
+              <a:schemeClr val="accent1">
+                <a:shade val="50000"/>
+              </a:schemeClr>
+            </a:lnRef>
+            <a:fillRef idx="1">
+              <a:schemeClr val="accent1"/>
+            </a:fillRef>
+            <a:effectRef idx="0">
+              <a:schemeClr val="accent1"/>
+            </a:effectRef>
+            <a:fontRef idx="minor">
+              <a:schemeClr val="lt1"/>
+            </a:fontRef>
+          </p:style>
+          <p:txBody>
+            <a:bodyPr rtlCol="0" anchor="ctr"/>
+            <a:lstStyle/>
+            <a:p>
+              <a:pPr algn="ctr"/>
+              <a:endParaRPr lang="en-US"/>
+            </a:p>
+          </p:txBody>
+        </p:sp>
+        <p:grpSp>
+          <p:nvGrpSpPr>
+            <p:cNvPr id="32" name="Group 31">
+              <a:extLst>
+                <a:ext uri="{FF2B5EF4-FFF2-40B4-BE49-F238E27FC236}">
+                  <a16:creationId xmlns:a16="http://schemas.microsoft.com/office/drawing/2014/main" id="{B936E914-1421-0E43-97F7-2B12A95C5E2D}"/>
+                </a:ext>
+              </a:extLst>
+            </p:cNvPr>
+            <p:cNvGrpSpPr/>
+            <p:nvPr/>
+          </p:nvGrpSpPr>
+          <p:grpSpPr>
+            <a:xfrm>
+              <a:off x="1485718" y="3336990"/>
+              <a:ext cx="1263293" cy="1053226"/>
+              <a:chOff x="1354100" y="3361494"/>
+              <a:chExt cx="1524159" cy="1270714"/>
+            </a:xfrm>
+            <a:grpFill/>
+          </p:grpSpPr>
+          <p:sp>
+            <p:nvSpPr>
+              <p:cNvPr id="33" name="Freeform 32">
+                <a:extLst>
+                  <a:ext uri="{FF2B5EF4-FFF2-40B4-BE49-F238E27FC236}">
+                    <a16:creationId xmlns:a16="http://schemas.microsoft.com/office/drawing/2014/main" id="{566477C9-6130-9649-9917-AABA7DF31A6B}"/>
+                  </a:ext>
+                </a:extLst>
+              </p:cNvPr>
+              <p:cNvSpPr/>
+              <p:nvPr/>
+            </p:nvSpPr>
+            <p:spPr>
+              <a:xfrm>
+                <a:off x="1480823" y="3361495"/>
+                <a:ext cx="1270713" cy="1270713"/>
+              </a:xfrm>
+              <a:custGeom>
+                <a:avLst/>
+                <a:gdLst>
+                  <a:gd name="connsiteX0" fmla="*/ 0 w 1270712"/>
+                  <a:gd name="connsiteY0" fmla="*/ 1179948 h 1270712"/>
+                  <a:gd name="connsiteX1" fmla="*/ 90765 w 1270712"/>
+                  <a:gd name="connsiteY1" fmla="*/ 1270713 h 1270712"/>
+                  <a:gd name="connsiteX2" fmla="*/ 1179948 w 1270712"/>
+                  <a:gd name="connsiteY2" fmla="*/ 1270713 h 1270712"/>
+                  <a:gd name="connsiteX3" fmla="*/ 1270713 w 1270712"/>
+                  <a:gd name="connsiteY3" fmla="*/ 1179948 h 1270712"/>
+                  <a:gd name="connsiteX4" fmla="*/ 1270713 w 1270712"/>
+                  <a:gd name="connsiteY4" fmla="*/ 0 h 1270712"/>
+                  <a:gd name="connsiteX5" fmla="*/ 0 w 1270712"/>
+                  <a:gd name="connsiteY5" fmla="*/ 0 h 1270712"/>
+                  <a:gd name="connsiteX6" fmla="*/ 0 w 1270712"/>
+                  <a:gd name="connsiteY6" fmla="*/ 1179948 h 1270712"/>
+                  <a:gd name="connsiteX7" fmla="*/ 930343 w 1270712"/>
+                  <a:gd name="connsiteY7" fmla="*/ 136148 h 1270712"/>
+                  <a:gd name="connsiteX8" fmla="*/ 1066491 w 1270712"/>
+                  <a:gd name="connsiteY8" fmla="*/ 136148 h 1270712"/>
+                  <a:gd name="connsiteX9" fmla="*/ 1066491 w 1270712"/>
+                  <a:gd name="connsiteY9" fmla="*/ 1134565 h 1270712"/>
+                  <a:gd name="connsiteX10" fmla="*/ 930343 w 1270712"/>
+                  <a:gd name="connsiteY10" fmla="*/ 1134565 h 1270712"/>
+                  <a:gd name="connsiteX11" fmla="*/ 930343 w 1270712"/>
+                  <a:gd name="connsiteY11" fmla="*/ 136148 h 1270712"/>
+                  <a:gd name="connsiteX12" fmla="*/ 567283 w 1270712"/>
+                  <a:gd name="connsiteY12" fmla="*/ 136148 h 1270712"/>
+                  <a:gd name="connsiteX13" fmla="*/ 703430 w 1270712"/>
+                  <a:gd name="connsiteY13" fmla="*/ 136148 h 1270712"/>
+                  <a:gd name="connsiteX14" fmla="*/ 703430 w 1270712"/>
+                  <a:gd name="connsiteY14" fmla="*/ 1134565 h 1270712"/>
+                  <a:gd name="connsiteX15" fmla="*/ 567283 w 1270712"/>
+                  <a:gd name="connsiteY15" fmla="*/ 1134565 h 1270712"/>
+                  <a:gd name="connsiteX16" fmla="*/ 567283 w 1270712"/>
+                  <a:gd name="connsiteY16" fmla="*/ 136148 h 1270712"/>
+                  <a:gd name="connsiteX17" fmla="*/ 204222 w 1270712"/>
+                  <a:gd name="connsiteY17" fmla="*/ 136148 h 1270712"/>
+                  <a:gd name="connsiteX18" fmla="*/ 340370 w 1270712"/>
+                  <a:gd name="connsiteY18" fmla="*/ 136148 h 1270712"/>
+                  <a:gd name="connsiteX19" fmla="*/ 340370 w 1270712"/>
+                  <a:gd name="connsiteY19" fmla="*/ 1134565 h 1270712"/>
+                  <a:gd name="connsiteX20" fmla="*/ 204222 w 1270712"/>
+                  <a:gd name="connsiteY20" fmla="*/ 1134565 h 1270712"/>
+                  <a:gd name="connsiteX21" fmla="*/ 204222 w 1270712"/>
+                  <a:gd name="connsiteY21" fmla="*/ 136148 h 1270712"/>
+                </a:gdLst>
+                <a:ahLst/>
+                <a:cxnLst>
+                  <a:cxn ang="0">
+                    <a:pos x="connsiteX0" y="connsiteY0"/>
+                  </a:cxn>
+                  <a:cxn ang="0">
+                    <a:pos x="connsiteX1" y="connsiteY1"/>
+                  </a:cxn>
+                  <a:cxn ang="0">
+                    <a:pos x="connsiteX2" y="connsiteY2"/>
+                  </a:cxn>
+                  <a:cxn ang="0">
+                    <a:pos x="connsiteX3" y="connsiteY3"/>
+                  </a:cxn>
+                  <a:cxn ang="0">
+                    <a:pos x="connsiteX4" y="connsiteY4"/>
+                  </a:cxn>
+                  <a:cxn ang="0">
+                    <a:pos x="connsiteX5" y="connsiteY5"/>
+                  </a:cxn>
+                  <a:cxn ang="0">
+                    <a:pos x="connsiteX6" y="connsiteY6"/>
+                  </a:cxn>
+                  <a:cxn ang="0">
+                    <a:pos x="connsiteX7" y="connsiteY7"/>
+                  </a:cxn>
+                  <a:cxn ang="0">
+                    <a:pos x="connsiteX8" y="connsiteY8"/>
+                  </a:cxn>
+                  <a:cxn ang="0">
+                    <a:pos x="connsiteX9" y="connsiteY9"/>
+                  </a:cxn>
+                  <a:cxn ang="0">
+                    <a:pos x="connsiteX10" y="connsiteY10"/>
+                  </a:cxn>
+                  <a:cxn ang="0">
+                    <a:pos x="connsiteX11" y="connsiteY11"/>
+                  </a:cxn>
+                  <a:cxn ang="0">
+                    <a:pos x="connsiteX12" y="connsiteY12"/>
+                  </a:cxn>
+                  <a:cxn ang="0">
+                    <a:pos x="connsiteX13" y="connsiteY13"/>
+                  </a:cxn>
+                  <a:cxn ang="0">
+                    <a:pos x="connsiteX14" y="connsiteY14"/>
+                  </a:cxn>
+                  <a:cxn ang="0">
+                    <a:pos x="connsiteX15" y="connsiteY15"/>
+                  </a:cxn>
+                  <a:cxn ang="0">
+                    <a:pos x="connsiteX16" y="connsiteY16"/>
+                  </a:cxn>
+                  <a:cxn ang="0">
+                    <a:pos x="connsiteX17" y="connsiteY17"/>
+                  </a:cxn>
+                  <a:cxn ang="0">
+                    <a:pos x="connsiteX18" y="connsiteY18"/>
+                  </a:cxn>
+                  <a:cxn ang="0">
+                    <a:pos x="connsiteX19" y="connsiteY19"/>
+                  </a:cxn>
+                  <a:cxn ang="0">
+                    <a:pos x="connsiteX20" y="connsiteY20"/>
+                  </a:cxn>
+                  <a:cxn ang="0">
+                    <a:pos x="connsiteX21" y="connsiteY21"/>
+                  </a:cxn>
+                </a:cxnLst>
+                <a:rect l="l" t="t" r="r" b="b"/>
+                <a:pathLst>
+                  <a:path w="1270712" h="1270712">
+                    <a:moveTo>
+                      <a:pt x="0" y="1179948"/>
+                    </a:moveTo>
+                    <a:cubicBezTo>
+                      <a:pt x="0" y="1229869"/>
+                      <a:pt x="40844" y="1270713"/>
+                      <a:pt x="90765" y="1270713"/>
+                    </a:cubicBezTo>
+                    <a:lnTo>
+                      <a:pt x="1179948" y="1270713"/>
+                    </a:lnTo>
+                    <a:cubicBezTo>
+                      <a:pt x="1229869" y="1270713"/>
+                      <a:pt x="1270713" y="1229869"/>
+                      <a:pt x="1270713" y="1179948"/>
+                    </a:cubicBezTo>
+                    <a:lnTo>
+                      <a:pt x="1270713" y="0"/>
+                    </a:lnTo>
+                    <a:lnTo>
+                      <a:pt x="0" y="0"/>
+                    </a:lnTo>
+                    <a:lnTo>
+                      <a:pt x="0" y="1179948"/>
+                    </a:lnTo>
+                    <a:close/>
+                    <a:moveTo>
+                      <a:pt x="930343" y="136148"/>
+                    </a:moveTo>
+                    <a:lnTo>
+                      <a:pt x="1066491" y="136148"/>
+                    </a:lnTo>
+                    <a:lnTo>
+                      <a:pt x="1066491" y="1134565"/>
+                    </a:lnTo>
+                    <a:lnTo>
+                      <a:pt x="930343" y="1134565"/>
+                    </a:lnTo>
+                    <a:lnTo>
+                      <a:pt x="930343" y="136148"/>
+                    </a:lnTo>
+                    <a:close/>
+                    <a:moveTo>
+                      <a:pt x="567283" y="136148"/>
+                    </a:moveTo>
+                    <a:lnTo>
+                      <a:pt x="703430" y="136148"/>
+                    </a:lnTo>
+                    <a:lnTo>
+                      <a:pt x="703430" y="1134565"/>
+                    </a:lnTo>
+                    <a:lnTo>
+                      <a:pt x="567283" y="1134565"/>
+                    </a:lnTo>
+                    <a:lnTo>
+                      <a:pt x="567283" y="136148"/>
+                    </a:lnTo>
+                    <a:close/>
+                    <a:moveTo>
+                      <a:pt x="204222" y="136148"/>
+                    </a:moveTo>
+                    <a:lnTo>
+                      <a:pt x="340370" y="136148"/>
+                    </a:lnTo>
+                    <a:lnTo>
+                      <a:pt x="340370" y="1134565"/>
+                    </a:lnTo>
+                    <a:lnTo>
+                      <a:pt x="204222" y="1134565"/>
+                    </a:lnTo>
+                    <a:lnTo>
+                      <a:pt x="204222" y="136148"/>
+                    </a:lnTo>
+                    <a:close/>
+                  </a:path>
+                </a:pathLst>
+              </a:custGeom>
+              <a:grpFill/>
+              <a:ln w="22622" cap="flat">
+                <a:noFill/>
+                <a:prstDash val="solid"/>
+                <a:miter/>
+              </a:ln>
+            </p:spPr>
+            <p:txBody>
+              <a:bodyPr rtlCol="0" anchor="ctr"/>
+              <a:lstStyle/>
+              <a:p>
+                <a:endParaRPr lang="en-US" dirty="0"/>
+              </a:p>
+            </p:txBody>
+          </p:sp>
+          <p:sp>
+            <p:nvSpPr>
+              <p:cNvPr id="34" name="Rectangle 33">
+                <a:extLst>
+                  <a:ext uri="{FF2B5EF4-FFF2-40B4-BE49-F238E27FC236}">
+                    <a16:creationId xmlns:a16="http://schemas.microsoft.com/office/drawing/2014/main" id="{E5CE73CB-09EC-AF4C-B770-0AD97F55F84A}"/>
+                  </a:ext>
+                </a:extLst>
+              </p:cNvPr>
+              <p:cNvSpPr/>
+              <p:nvPr/>
+            </p:nvSpPr>
+            <p:spPr>
+              <a:xfrm>
+                <a:off x="1582057" y="3429000"/>
+                <a:ext cx="1078895" cy="189895"/>
+              </a:xfrm>
+              <a:prstGeom prst="rect">
+                <a:avLst/>
+              </a:prstGeom>
+              <a:grpFill/>
+              <a:ln>
+                <a:noFill/>
+              </a:ln>
+            </p:spPr>
+            <p:style>
+              <a:lnRef idx="2">
+                <a:schemeClr val="accent1">
+                  <a:shade val="50000"/>
+                </a:schemeClr>
+              </a:lnRef>
+              <a:fillRef idx="1">
+                <a:schemeClr val="accent1"/>
+              </a:fillRef>
+              <a:effectRef idx="0">
+                <a:schemeClr val="accent1"/>
+              </a:effectRef>
+              <a:fontRef idx="minor">
+                <a:schemeClr val="lt1"/>
+              </a:fontRef>
+            </p:style>
+            <p:txBody>
+              <a:bodyPr rtlCol="0" anchor="ctr"/>
+              <a:lstStyle/>
+              <a:p>
+                <a:pPr algn="ctr"/>
+                <a:endParaRPr lang="en-US"/>
+              </a:p>
+            </p:txBody>
+          </p:sp>
+          <p:sp>
+            <p:nvSpPr>
+              <p:cNvPr id="35" name="Rectangle 34">
+                <a:extLst>
+                  <a:ext uri="{FF2B5EF4-FFF2-40B4-BE49-F238E27FC236}">
+                    <a16:creationId xmlns:a16="http://schemas.microsoft.com/office/drawing/2014/main" id="{EDA98B52-B002-C748-A5BC-27295573398B}"/>
+                  </a:ext>
+                </a:extLst>
+              </p:cNvPr>
+              <p:cNvSpPr/>
+              <p:nvPr/>
+            </p:nvSpPr>
+            <p:spPr>
+              <a:xfrm>
+                <a:off x="1480823" y="4363149"/>
+                <a:ext cx="1078895" cy="189895"/>
+              </a:xfrm>
+              <a:prstGeom prst="rect">
+                <a:avLst/>
+              </a:prstGeom>
+              <a:grpFill/>
+              <a:ln>
+                <a:noFill/>
+              </a:ln>
+            </p:spPr>
+            <p:style>
+              <a:lnRef idx="2">
+                <a:schemeClr val="accent1">
+                  <a:shade val="50000"/>
+                </a:schemeClr>
+              </a:lnRef>
+              <a:fillRef idx="1">
+                <a:schemeClr val="accent1"/>
+              </a:fillRef>
+              <a:effectRef idx="0">
+                <a:schemeClr val="accent1"/>
+              </a:effectRef>
+              <a:fontRef idx="minor">
+                <a:schemeClr val="lt1"/>
+              </a:fontRef>
+            </p:style>
+            <p:txBody>
+              <a:bodyPr rtlCol="0" anchor="ctr"/>
+              <a:lstStyle/>
+              <a:p>
+                <a:pPr algn="ctr"/>
+                <a:endParaRPr lang="en-US"/>
+              </a:p>
+            </p:txBody>
+          </p:sp>
+          <p:sp>
+            <p:nvSpPr>
+              <p:cNvPr id="36" name="Triangle 35">
+                <a:extLst>
+                  <a:ext uri="{FF2B5EF4-FFF2-40B4-BE49-F238E27FC236}">
+                    <a16:creationId xmlns:a16="http://schemas.microsoft.com/office/drawing/2014/main" id="{4576190D-56FE-7742-A981-ED101F73B171}"/>
+                  </a:ext>
+                </a:extLst>
+              </p:cNvPr>
+              <p:cNvSpPr/>
+              <p:nvPr/>
+            </p:nvSpPr>
+            <p:spPr>
+              <a:xfrm flipV="1">
+                <a:off x="1354100" y="3361494"/>
+                <a:ext cx="254713" cy="1142772"/>
+              </a:xfrm>
+              <a:prstGeom prst="triangle">
+                <a:avLst/>
+              </a:prstGeom>
+              <a:grpFill/>
+              <a:ln>
+                <a:noFill/>
+              </a:ln>
+            </p:spPr>
+            <p:style>
+              <a:lnRef idx="2">
+                <a:schemeClr val="accent1">
+                  <a:shade val="50000"/>
+                </a:schemeClr>
+              </a:lnRef>
+              <a:fillRef idx="1">
+                <a:schemeClr val="accent1"/>
+              </a:fillRef>
+              <a:effectRef idx="0">
+                <a:schemeClr val="accent1"/>
+              </a:effectRef>
+              <a:fontRef idx="minor">
+                <a:schemeClr val="lt1"/>
+              </a:fontRef>
+            </p:style>
+            <p:txBody>
+              <a:bodyPr rtlCol="0" anchor="ctr"/>
+              <a:lstStyle/>
+              <a:p>
+                <a:pPr algn="ctr"/>
+                <a:endParaRPr lang="en-US"/>
+              </a:p>
+            </p:txBody>
+          </p:sp>
+          <p:sp>
+            <p:nvSpPr>
+              <p:cNvPr id="37" name="Triangle 36">
+                <a:extLst>
+                  <a:ext uri="{FF2B5EF4-FFF2-40B4-BE49-F238E27FC236}">
+                    <a16:creationId xmlns:a16="http://schemas.microsoft.com/office/drawing/2014/main" id="{692AC2A2-904B-9D47-9B80-1230EAC61760}"/>
+                  </a:ext>
+                </a:extLst>
+              </p:cNvPr>
+              <p:cNvSpPr/>
+              <p:nvPr/>
+            </p:nvSpPr>
+            <p:spPr>
+              <a:xfrm flipV="1">
+                <a:off x="2623546" y="3361494"/>
+                <a:ext cx="254713" cy="1142772"/>
+              </a:xfrm>
+              <a:prstGeom prst="triangle">
+                <a:avLst/>
+              </a:prstGeom>
+              <a:grpFill/>
+              <a:ln>
+                <a:noFill/>
+              </a:ln>
+            </p:spPr>
+            <p:style>
+              <a:lnRef idx="2">
+                <a:schemeClr val="accent1">
+                  <a:shade val="50000"/>
+                </a:schemeClr>
+              </a:lnRef>
+              <a:fillRef idx="1">
+                <a:schemeClr val="accent1"/>
+              </a:fillRef>
+              <a:effectRef idx="0">
+                <a:schemeClr val="accent1"/>
+              </a:effectRef>
+              <a:fontRef idx="minor">
+                <a:schemeClr val="lt1"/>
+              </a:fontRef>
+            </p:style>
+            <p:txBody>
+              <a:bodyPr rtlCol="0" anchor="ctr"/>
+              <a:lstStyle/>
+              <a:p>
+                <a:pPr algn="ctr"/>
+                <a:endParaRPr lang="en-US"/>
+              </a:p>
+            </p:txBody>
+          </p:sp>
+        </p:grpSp>
+      </p:grpSp>
     </p:spTree>
     <p:extLst>
       <p:ext uri="{BB962C8B-B14F-4D97-AF65-F5344CB8AC3E}">
